--- a/data/politika/prezentacije/U3_001_pojam_politike.pptx
+++ b/data/politika/prezentacije/U3_001_pojam_politike.pptx
@@ -4910,7 +4910,7 @@
             <a:fld id="{7CB97365-EBCA-4027-87D5-99FC1D4DF0BB}" type="datetimeFigureOut">
               <a:rPr lang="en-US" smtClean="0"/>
               <a:pPr/>
-              <a:t>9/18/2019</a:t>
+              <a:t>9/19/2019</a:t>
             </a:fld>
             <a:endParaRPr lang="en-US"/>
           </a:p>
@@ -7897,24 +7897,24 @@
                 <a:ea typeface="WenQuanYi Micro Hei" charset="0"/>
                 <a:cs typeface="Calibri" pitchFamily="34" charset="0"/>
               </a:rPr>
-              <a:t>čak i usprkos otporu drugih</a:t>
-            </a:r>
-            <a:r>
-              <a:rPr lang="hr-HR" sz="2600" b="1" i="1" dirty="0" smtClean="0">
-                <a:latin typeface="Calibri" pitchFamily="34" charset="0"/>
-                <a:ea typeface="WenQuanYi Micro Hei" charset="0"/>
-                <a:cs typeface="Calibri" pitchFamily="34" charset="0"/>
-              </a:rPr>
-              <a:t> </a:t>
-            </a:r>
-            <a:r>
-              <a:rPr lang="hr-HR" sz="2400" i="1" dirty="0" smtClean="0">
-                <a:latin typeface="Calibri" pitchFamily="34" charset="0"/>
-                <a:ea typeface="WenQuanYi Micro Hei" charset="0"/>
-                <a:cs typeface="Calibri" pitchFamily="34" charset="0"/>
-              </a:rPr>
-              <a:t>(M. Weber)</a:t>
-            </a:r>
+              <a:t>čak i usprkos otporu </a:t>
+            </a:r>
+            <a:r>
+              <a:rPr lang="hr-HR" sz="3000" b="1" u="sng" dirty="0" smtClean="0">
+                <a:solidFill>
+                  <a:srgbClr val="FFC000"/>
+                </a:solidFill>
+                <a:latin typeface="Calibri" pitchFamily="34" charset="0"/>
+                <a:ea typeface="WenQuanYi Micro Hei" charset="0"/>
+                <a:cs typeface="Calibri" pitchFamily="34" charset="0"/>
+              </a:rPr>
+              <a:t>drugih</a:t>
+            </a:r>
+            <a:endParaRPr lang="hr-HR" sz="2400" i="1" dirty="0" smtClean="0">
+              <a:latin typeface="Calibri" pitchFamily="34" charset="0"/>
+              <a:ea typeface="WenQuanYi Micro Hei" charset="0"/>
+              <a:cs typeface="Calibri" pitchFamily="34" charset="0"/>
+            </a:endParaRPr>
           </a:p>
           <a:p>
             <a:pPr marL="288000" indent="-288000">
@@ -12286,7 +12286,7 @@
               <a:t>TRI TIPA LEGITIMNE VLASTI </a:t>
             </a:r>
             <a:r>
-              <a:rPr lang="hr-HR" sz="2400" i="1" dirty="0" smtClean="0">
+              <a:rPr lang="hr-HR" sz="2400" b="0" i="1" dirty="0" smtClean="0">
                 <a:solidFill>
                   <a:srgbClr val="F2F2F2"/>
                 </a:solidFill>
@@ -12294,7 +12294,7 @@
               </a:rPr>
               <a:t>(M. Weber)</a:t>
             </a:r>
-            <a:endParaRPr lang="hr-HR" dirty="0"/>
+            <a:endParaRPr lang="hr-HR" b="0" dirty="0"/>
           </a:p>
         </p:txBody>
       </p:sp>
@@ -40296,13 +40296,13 @@
   <p:clrMapOvr>
     <a:masterClrMapping/>
   </p:clrMapOvr>
-  <mc:AlternateContent xmlns:mc="http://schemas.openxmlformats.org/markup-compatibility/2006">
-    <mc:Choice xmlns:p14="http://schemas.microsoft.com/office/powerpoint/2010/main" Requires="p14">
+  <mc:AlternateContent xmlns:mc="http://schemas.openxmlformats.org/markup-compatibility/2006" xmlns:p14="http://schemas.microsoft.com/office/powerpoint/2010/main">
+    <mc:Choice Requires="p14">
       <p:transition>
         <p14:reveal/>
       </p:transition>
     </mc:Choice>
-    <mc:Fallback>
+    <mc:Fallback xmlns="">
       <p:transition>
         <p:fade/>
       </p:transition>

--- a/data/politika/prezentacije/U3_001_pojam_politike.pptx
+++ b/data/politika/prezentacije/U3_001_pojam_politike.pptx
@@ -4712,289 +4712,6 @@
 </p:sldLayout>
 </file>
 
-<file path=ppt/slideLayouts/slideLayout12.xml><?xml version="1.0" encoding="utf-8"?>
-<p:sldLayout xmlns:a="http://schemas.openxmlformats.org/drawingml/2006/main" xmlns:r="http://schemas.openxmlformats.org/officeDocument/2006/relationships" xmlns:p="http://schemas.openxmlformats.org/presentationml/2006/main" type="secHead">
-  <p:cSld name="Section Header">
-    <p:spTree>
-      <p:nvGrpSpPr>
-        <p:cNvPr id="1" name=""/>
-        <p:cNvGrpSpPr/>
-        <p:nvPr/>
-      </p:nvGrpSpPr>
-      <p:grpSpPr>
-        <a:xfrm>
-          <a:off x="0" y="0"/>
-          <a:ext cx="0" cy="0"/>
-          <a:chOff x="0" y="0"/>
-          <a:chExt cx="0" cy="0"/>
-        </a:xfrm>
-      </p:grpSpPr>
-      <p:sp>
-        <p:nvSpPr>
-          <p:cNvPr id="2" name="Title 1"/>
-          <p:cNvSpPr>
-            <a:spLocks noGrp="1"/>
-          </p:cNvSpPr>
-          <p:nvPr>
-            <p:ph type="title"/>
-          </p:nvPr>
-        </p:nvSpPr>
-        <p:spPr>
-          <a:xfrm>
-            <a:off x="1600200" y="609600"/>
-            <a:ext cx="7086600" cy="1828800"/>
-          </a:xfrm>
-          <a:prstGeom prst="rect">
-            <a:avLst/>
-          </a:prstGeom>
-        </p:spPr>
-        <p:txBody>
-          <a:bodyPr vert="horz" bIns="0" anchor="b">
-            <a:noAutofit/>
-            <a:scene3d>
-              <a:camera prst="orthographicFront"/>
-              <a:lightRig rig="soft" dir="t">
-                <a:rot lat="0" lon="0" rev="17220000"/>
-              </a:lightRig>
-            </a:scene3d>
-            <a:sp3d prstMaterial="softEdge">
-              <a:bevelT w="38100" h="38100"/>
-              <a:contourClr>
-                <a:schemeClr val="tx2">
-                  <a:shade val="50000"/>
-                </a:schemeClr>
-              </a:contourClr>
-            </a:sp3d>
-          </a:bodyPr>
-          <a:lstStyle>
-            <a:lvl1pPr algn="l" rtl="0">
-              <a:spcBef>
-                <a:spcPct val="0"/>
-              </a:spcBef>
-              <a:buNone/>
-              <a:defRPr sz="4800" b="1" cap="none" baseline="0">
-                <a:ln w="6350">
-                  <a:noFill/>
-                </a:ln>
-                <a:solidFill>
-                  <a:schemeClr val="accent1">
-                    <a:tint val="90000"/>
-                    <a:satMod val="120000"/>
-                  </a:schemeClr>
-                </a:solidFill>
-                <a:effectLst>
-                  <a:outerShdw blurRad="114300" dist="101600" dir="2700000" algn="tl" rotWithShape="0">
-                    <a:srgbClr val="000000">
-                      <a:alpha val="40000"/>
-                    </a:srgbClr>
-                  </a:outerShdw>
-                </a:effectLst>
-                <a:latin typeface="+mj-lt"/>
-                <a:ea typeface="+mj-ea"/>
-                <a:cs typeface="+mj-cs"/>
-              </a:defRPr>
-            </a:lvl1pPr>
-          </a:lstStyle>
-          <a:p>
-            <a:r>
-              <a:rPr kumimoji="0" lang="en-US" smtClean="0"/>
-              <a:t>Click to edit Master title style</a:t>
-            </a:r>
-            <a:endParaRPr kumimoji="0" lang="en-US"/>
-          </a:p>
-        </p:txBody>
-      </p:sp>
-      <p:sp>
-        <p:nvSpPr>
-          <p:cNvPr id="3" name="Text Placeholder 2"/>
-          <p:cNvSpPr>
-            <a:spLocks noGrp="1"/>
-          </p:cNvSpPr>
-          <p:nvPr>
-            <p:ph type="body" idx="1"/>
-          </p:nvPr>
-        </p:nvSpPr>
-        <p:spPr>
-          <a:xfrm>
-            <a:off x="1600200" y="2507786"/>
-            <a:ext cx="7086600" cy="1509712"/>
-          </a:xfrm>
-          <a:prstGeom prst="rect">
-            <a:avLst/>
-          </a:prstGeom>
-        </p:spPr>
-        <p:txBody>
-          <a:bodyPr anchor="t"/>
-          <a:lstStyle>
-            <a:lvl1pPr marL="73152" indent="0" algn="l">
-              <a:buNone/>
-              <a:defRPr sz="2000">
-                <a:solidFill>
-                  <a:schemeClr val="tx1"/>
-                </a:solidFill>
-              </a:defRPr>
-            </a:lvl1pPr>
-            <a:lvl2pPr>
-              <a:buNone/>
-              <a:defRPr sz="1800">
-                <a:solidFill>
-                  <a:schemeClr val="tx1">
-                    <a:tint val="75000"/>
-                  </a:schemeClr>
-                </a:solidFill>
-              </a:defRPr>
-            </a:lvl2pPr>
-            <a:lvl3pPr>
-              <a:buNone/>
-              <a:defRPr sz="1600">
-                <a:solidFill>
-                  <a:schemeClr val="tx1">
-                    <a:tint val="75000"/>
-                  </a:schemeClr>
-                </a:solidFill>
-              </a:defRPr>
-            </a:lvl3pPr>
-            <a:lvl4pPr>
-              <a:buNone/>
-              <a:defRPr sz="1400">
-                <a:solidFill>
-                  <a:schemeClr val="tx1">
-                    <a:tint val="75000"/>
-                  </a:schemeClr>
-                </a:solidFill>
-              </a:defRPr>
-            </a:lvl4pPr>
-            <a:lvl5pPr>
-              <a:buNone/>
-              <a:defRPr sz="1400">
-                <a:solidFill>
-                  <a:schemeClr val="tx1">
-                    <a:tint val="75000"/>
-                  </a:schemeClr>
-                </a:solidFill>
-              </a:defRPr>
-            </a:lvl5pPr>
-          </a:lstStyle>
-          <a:p>
-            <a:pPr lvl="0" eaLnBrk="1" latinLnBrk="0" hangingPunct="1"/>
-            <a:r>
-              <a:rPr kumimoji="0" lang="en-US" smtClean="0"/>
-              <a:t>Click to edit Master text styles</a:t>
-            </a:r>
-          </a:p>
-        </p:txBody>
-      </p:sp>
-      <p:sp>
-        <p:nvSpPr>
-          <p:cNvPr id="4" name="Date Placeholder 3"/>
-          <p:cNvSpPr>
-            <a:spLocks noGrp="1"/>
-          </p:cNvSpPr>
-          <p:nvPr>
-            <p:ph type="dt" sz="half" idx="10"/>
-          </p:nvPr>
-        </p:nvSpPr>
-        <p:spPr>
-          <a:xfrm>
-            <a:off x="457200" y="6416675"/>
-            <a:ext cx="2133600" cy="365125"/>
-          </a:xfrm>
-          <a:prstGeom prst="rect">
-            <a:avLst/>
-          </a:prstGeom>
-        </p:spPr>
-        <p:txBody>
-          <a:bodyPr/>
-          <a:lstStyle/>
-          <a:p>
-            <a:fld id="{7CB97365-EBCA-4027-87D5-99FC1D4DF0BB}" type="datetimeFigureOut">
-              <a:rPr lang="en-US" smtClean="0"/>
-              <a:pPr/>
-              <a:t>9/19/2019</a:t>
-            </a:fld>
-            <a:endParaRPr lang="en-US"/>
-          </a:p>
-        </p:txBody>
-      </p:sp>
-      <p:sp>
-        <p:nvSpPr>
-          <p:cNvPr id="5" name="Footer Placeholder 4"/>
-          <p:cNvSpPr>
-            <a:spLocks noGrp="1"/>
-          </p:cNvSpPr>
-          <p:nvPr>
-            <p:ph type="ftr" sz="quarter" idx="11"/>
-          </p:nvPr>
-        </p:nvSpPr>
-        <p:spPr>
-          <a:xfrm>
-            <a:off x="3124200" y="6416675"/>
-            <a:ext cx="2895600" cy="365125"/>
-          </a:xfrm>
-          <a:prstGeom prst="rect">
-            <a:avLst/>
-          </a:prstGeom>
-        </p:spPr>
-        <p:txBody>
-          <a:bodyPr/>
-          <a:lstStyle/>
-          <a:p>
-            <a:endParaRPr kumimoji="0" lang="en-US"/>
-          </a:p>
-        </p:txBody>
-      </p:sp>
-      <p:sp>
-        <p:nvSpPr>
-          <p:cNvPr id="6" name="Slide Number Placeholder 5"/>
-          <p:cNvSpPr>
-            <a:spLocks noGrp="1"/>
-          </p:cNvSpPr>
-          <p:nvPr>
-            <p:ph type="sldNum" sz="quarter" idx="12"/>
-          </p:nvPr>
-        </p:nvSpPr>
-        <p:spPr>
-          <a:xfrm>
-            <a:off x="7924800" y="6416675"/>
-            <a:ext cx="762000" cy="365125"/>
-          </a:xfrm>
-          <a:prstGeom prst="rect">
-            <a:avLst/>
-          </a:prstGeom>
-        </p:spPr>
-        <p:txBody>
-          <a:bodyPr/>
-          <a:lstStyle/>
-          <a:p>
-            <a:fld id="{69E29E33-B620-47F9-BB04-8846C2A5AFCC}" type="slidenum">
-              <a:rPr kumimoji="0" lang="en-US" smtClean="0"/>
-              <a:pPr/>
-              <a:t>‹#›</a:t>
-            </a:fld>
-            <a:endParaRPr kumimoji="0" lang="en-US"/>
-          </a:p>
-        </p:txBody>
-      </p:sp>
-    </p:spTree>
-  </p:cSld>
-  <p:clrMapOvr>
-    <a:masterClrMapping/>
-  </p:clrMapOvr>
-  <mc:AlternateContent xmlns:mc="http://schemas.openxmlformats.org/markup-compatibility/2006" xmlns:p14="http://schemas.microsoft.com/office/powerpoint/2010/main">
-    <mc:Choice Requires="p14">
-      <p:transition>
-        <p14:reveal/>
-      </p:transition>
-    </mc:Choice>
-    <mc:Fallback xmlns="">
-      <p:transition>
-        <p:fade/>
-      </p:transition>
-    </mc:Fallback>
-  </mc:AlternateContent>
-</p:sldLayout>
-</file>
-
 <file path=ppt/slideLayouts/slideLayout2.xml><?xml version="1.0" encoding="utf-8"?>
 <p:sldLayout xmlns:a="http://schemas.openxmlformats.org/drawingml/2006/main" xmlns:r="http://schemas.openxmlformats.org/officeDocument/2006/relationships" xmlns:p="http://schemas.openxmlformats.org/presentationml/2006/main" preserve="1">
   <p:cSld name="Title and Content">
@@ -7132,7 +6849,6 @@
     <p:sldLayoutId id="2147483696" r:id="rId9"/>
     <p:sldLayoutId id="2147483697" r:id="rId10"/>
     <p:sldLayoutId id="2147483698" r:id="rId11"/>
-    <p:sldLayoutId id="2147483699" r:id="rId12"/>
   </p:sldLayoutIdLst>
   <mc:AlternateContent xmlns:mc="http://schemas.openxmlformats.org/markup-compatibility/2006" xmlns:p14="http://schemas.microsoft.com/office/powerpoint/2010/main">
     <mc:Choice Requires="p14">
@@ -7897,18 +7613,7 @@
                 <a:ea typeface="WenQuanYi Micro Hei" charset="0"/>
                 <a:cs typeface="Calibri" pitchFamily="34" charset="0"/>
               </a:rPr>
-              <a:t>čak i usprkos otporu </a:t>
-            </a:r>
-            <a:r>
-              <a:rPr lang="hr-HR" sz="3000" b="1" u="sng" dirty="0" smtClean="0">
-                <a:solidFill>
-                  <a:srgbClr val="FFC000"/>
-                </a:solidFill>
-                <a:latin typeface="Calibri" pitchFamily="34" charset="0"/>
-                <a:ea typeface="WenQuanYi Micro Hei" charset="0"/>
-                <a:cs typeface="Calibri" pitchFamily="34" charset="0"/>
-              </a:rPr>
-              <a:t>drugih</a:t>
+              <a:t>čak i usprkos otporu drugih</a:t>
             </a:r>
             <a:endParaRPr lang="hr-HR" sz="2400" i="1" dirty="0" smtClean="0">
               <a:latin typeface="Calibri" pitchFamily="34" charset="0"/>
@@ -8305,13 +8010,13 @@
   <p:clrMapOvr>
     <a:masterClrMapping/>
   </p:clrMapOvr>
-  <mc:AlternateContent xmlns:mc="http://schemas.openxmlformats.org/markup-compatibility/2006" xmlns:p14="http://schemas.microsoft.com/office/powerpoint/2010/main">
-    <mc:Choice Requires="p14">
+  <mc:AlternateContent xmlns:mc="http://schemas.openxmlformats.org/markup-compatibility/2006">
+    <mc:Choice xmlns:p14="http://schemas.microsoft.com/office/powerpoint/2010/main" Requires="p14">
       <p:transition>
         <p14:reveal/>
       </p:transition>
     </mc:Choice>
-    <mc:Fallback xmlns="">
+    <mc:Fallback>
       <p:transition>
         <p:fade/>
       </p:transition>
@@ -9226,13 +8931,13 @@
   <p:clrMapOvr>
     <a:masterClrMapping/>
   </p:clrMapOvr>
-  <mc:AlternateContent xmlns:mc="http://schemas.openxmlformats.org/markup-compatibility/2006" xmlns:p14="http://schemas.microsoft.com/office/powerpoint/2010/main">
-    <mc:Choice Requires="p14">
+  <mc:AlternateContent xmlns:mc="http://schemas.openxmlformats.org/markup-compatibility/2006">
+    <mc:Choice xmlns:p14="http://schemas.microsoft.com/office/powerpoint/2010/main" Requires="p14">
       <p:transition>
         <p14:reveal/>
       </p:transition>
     </mc:Choice>
-    <mc:Fallback xmlns="">
+    <mc:Fallback>
       <p:transition>
         <p:fade/>
       </p:transition>
@@ -10483,13 +10188,13 @@
   <p:clrMapOvr>
     <a:masterClrMapping/>
   </p:clrMapOvr>
-  <mc:AlternateContent xmlns:mc="http://schemas.openxmlformats.org/markup-compatibility/2006" xmlns:p14="http://schemas.microsoft.com/office/powerpoint/2010/main">
-    <mc:Choice Requires="p14">
+  <mc:AlternateContent xmlns:mc="http://schemas.openxmlformats.org/markup-compatibility/2006">
+    <mc:Choice xmlns:p14="http://schemas.microsoft.com/office/powerpoint/2010/main" Requires="p14">
       <p:transition>
         <p14:reveal/>
       </p:transition>
     </mc:Choice>
-    <mc:Fallback xmlns="">
+    <mc:Fallback>
       <p:transition>
         <p:fade/>
       </p:transition>
@@ -11115,13 +10820,13 @@
   <p:clrMapOvr>
     <a:masterClrMapping/>
   </p:clrMapOvr>
-  <mc:AlternateContent xmlns:mc="http://schemas.openxmlformats.org/markup-compatibility/2006" xmlns:p14="http://schemas.microsoft.com/office/powerpoint/2010/main">
-    <mc:Choice Requires="p14">
+  <mc:AlternateContent xmlns:mc="http://schemas.openxmlformats.org/markup-compatibility/2006">
+    <mc:Choice xmlns:p14="http://schemas.microsoft.com/office/powerpoint/2010/main" Requires="p14">
       <p:transition>
         <p14:reveal/>
       </p:transition>
     </mc:Choice>
-    <mc:Fallback xmlns="">
+    <mc:Fallback>
       <p:transition>
         <p:fade/>
       </p:transition>
@@ -12303,13 +12008,13 @@
   <p:clrMapOvr>
     <a:masterClrMapping/>
   </p:clrMapOvr>
-  <mc:AlternateContent xmlns:mc="http://schemas.openxmlformats.org/markup-compatibility/2006" xmlns:p14="http://schemas.microsoft.com/office/powerpoint/2010/main">
-    <mc:Choice Requires="p14">
+  <mc:AlternateContent xmlns:mc="http://schemas.openxmlformats.org/markup-compatibility/2006">
+    <mc:Choice xmlns:p14="http://schemas.microsoft.com/office/powerpoint/2010/main" Requires="p14">
       <p:transition>
         <p14:reveal/>
       </p:transition>
     </mc:Choice>
-    <mc:Fallback xmlns="">
+    <mc:Fallback>
       <p:transition>
         <p:fade/>
       </p:transition>
@@ -13690,13 +13395,13 @@
   <p:clrMapOvr>
     <a:masterClrMapping/>
   </p:clrMapOvr>
-  <mc:AlternateContent xmlns:mc="http://schemas.openxmlformats.org/markup-compatibility/2006" xmlns:p14="http://schemas.microsoft.com/office/powerpoint/2010/main">
-    <mc:Choice Requires="p14">
+  <mc:AlternateContent xmlns:mc="http://schemas.openxmlformats.org/markup-compatibility/2006">
+    <mc:Choice xmlns:p14="http://schemas.microsoft.com/office/powerpoint/2010/main" Requires="p14">
       <p:transition>
         <p14:reveal/>
       </p:transition>
     </mc:Choice>
-    <mc:Fallback xmlns="">
+    <mc:Fallback>
       <p:transition>
         <p:fade/>
       </p:transition>
@@ -14951,13 +14656,13 @@
   <p:clrMapOvr>
     <a:masterClrMapping/>
   </p:clrMapOvr>
-  <mc:AlternateContent xmlns:mc="http://schemas.openxmlformats.org/markup-compatibility/2006" xmlns:p14="http://schemas.microsoft.com/office/powerpoint/2010/main">
-    <mc:Choice Requires="p14">
+  <mc:AlternateContent xmlns:mc="http://schemas.openxmlformats.org/markup-compatibility/2006">
+    <mc:Choice xmlns:p14="http://schemas.microsoft.com/office/powerpoint/2010/main" Requires="p14">
       <p:transition>
         <p14:reveal/>
       </p:transition>
     </mc:Choice>
-    <mc:Fallback xmlns="">
+    <mc:Fallback>
       <p:transition>
         <p:fade/>
       </p:transition>
@@ -15937,13 +15642,13 @@
   <p:clrMapOvr>
     <a:masterClrMapping/>
   </p:clrMapOvr>
-  <mc:AlternateContent xmlns:mc="http://schemas.openxmlformats.org/markup-compatibility/2006" xmlns:p14="http://schemas.microsoft.com/office/powerpoint/2010/main">
-    <mc:Choice Requires="p14">
+  <mc:AlternateContent xmlns:mc="http://schemas.openxmlformats.org/markup-compatibility/2006">
+    <mc:Choice xmlns:p14="http://schemas.microsoft.com/office/powerpoint/2010/main" Requires="p14">
       <p:transition>
         <p14:reveal/>
       </p:transition>
     </mc:Choice>
-    <mc:Fallback xmlns="">
+    <mc:Fallback>
       <p:transition>
         <p:fade/>
       </p:transition>
@@ -16690,13 +16395,13 @@
   <p:clrMapOvr>
     <a:masterClrMapping/>
   </p:clrMapOvr>
-  <mc:AlternateContent xmlns:mc="http://schemas.openxmlformats.org/markup-compatibility/2006" xmlns:p14="http://schemas.microsoft.com/office/powerpoint/2010/main">
-    <mc:Choice Requires="p14">
+  <mc:AlternateContent xmlns:mc="http://schemas.openxmlformats.org/markup-compatibility/2006">
+    <mc:Choice xmlns:p14="http://schemas.microsoft.com/office/powerpoint/2010/main" Requires="p14">
       <p:transition>
         <p14:reveal/>
       </p:transition>
     </mc:Choice>
-    <mc:Fallback xmlns="">
+    <mc:Fallback>
       <p:transition>
         <p:fade/>
       </p:transition>
@@ -18049,13 +17754,13 @@
   <p:clrMapOvr>
     <a:masterClrMapping/>
   </p:clrMapOvr>
-  <mc:AlternateContent xmlns:mc="http://schemas.openxmlformats.org/markup-compatibility/2006" xmlns:p14="http://schemas.microsoft.com/office/powerpoint/2010/main">
-    <mc:Choice Requires="p14">
+  <mc:AlternateContent xmlns:mc="http://schemas.openxmlformats.org/markup-compatibility/2006">
+    <mc:Choice xmlns:p14="http://schemas.microsoft.com/office/powerpoint/2010/main" Requires="p14">
       <p:transition>
         <p14:reveal/>
       </p:transition>
     </mc:Choice>
-    <mc:Fallback xmlns="">
+    <mc:Fallback>
       <p:transition>
         <p:fade/>
       </p:transition>
@@ -18072,7 +17777,7 @@
 </file>
 
 <file path=ppt/slides/slide2.xml><?xml version="1.0" encoding="utf-8"?>
-<p:sld xmlns:a="http://schemas.openxmlformats.org/drawingml/2006/main" xmlns:r="http://schemas.openxmlformats.org/officeDocument/2006/relationships" xmlns:p="http://schemas.openxmlformats.org/presentationml/2006/main">
+<p:sld xmlns:a="http://schemas.openxmlformats.org/drawingml/2006/main" xmlns:r="http://schemas.openxmlformats.org/officeDocument/2006/relationships" xmlns:p="http://schemas.openxmlformats.org/presentationml/2006/main" show="0">
   <p:cSld>
     <p:spTree>
       <p:nvGrpSpPr>
@@ -20729,13 +20434,13 @@
   <p:clrMapOvr>
     <a:masterClrMapping/>
   </p:clrMapOvr>
-  <mc:AlternateContent xmlns:mc="http://schemas.openxmlformats.org/markup-compatibility/2006" xmlns:p14="http://schemas.microsoft.com/office/powerpoint/2010/main">
-    <mc:Choice Requires="p14">
+  <mc:AlternateContent xmlns:mc="http://schemas.openxmlformats.org/markup-compatibility/2006">
+    <mc:Choice xmlns:p14="http://schemas.microsoft.com/office/powerpoint/2010/main" Requires="p14">
       <p:transition>
         <p14:reveal/>
       </p:transition>
     </mc:Choice>
-    <mc:Fallback xmlns="">
+    <mc:Fallback>
       <p:transition>
         <p:fade/>
       </p:transition>
@@ -21281,13 +20986,13 @@
   <p:clrMapOvr>
     <a:masterClrMapping/>
   </p:clrMapOvr>
-  <mc:AlternateContent xmlns:mc="http://schemas.openxmlformats.org/markup-compatibility/2006" xmlns:p14="http://schemas.microsoft.com/office/powerpoint/2010/main">
-    <mc:Choice Requires="p14">
+  <mc:AlternateContent xmlns:mc="http://schemas.openxmlformats.org/markup-compatibility/2006">
+    <mc:Choice xmlns:p14="http://schemas.microsoft.com/office/powerpoint/2010/main" Requires="p14">
       <p:transition>
         <p14:reveal/>
       </p:transition>
     </mc:Choice>
-    <mc:Fallback xmlns="">
+    <mc:Fallback>
       <p:transition>
         <p:fade/>
       </p:transition>
@@ -22666,13 +22371,13 @@
   <p:clrMapOvr>
     <a:masterClrMapping/>
   </p:clrMapOvr>
-  <mc:AlternateContent xmlns:mc="http://schemas.openxmlformats.org/markup-compatibility/2006" xmlns:p14="http://schemas.microsoft.com/office/powerpoint/2010/main">
-    <mc:Choice Requires="p14">
+  <mc:AlternateContent xmlns:mc="http://schemas.openxmlformats.org/markup-compatibility/2006">
+    <mc:Choice xmlns:p14="http://schemas.microsoft.com/office/powerpoint/2010/main" Requires="p14">
       <p:transition>
         <p14:reveal/>
       </p:transition>
     </mc:Choice>
-    <mc:Fallback xmlns="">
+    <mc:Fallback>
       <p:transition>
         <p:fade/>
       </p:transition>
@@ -23980,13 +23685,13 @@
   <p:clrMapOvr>
     <a:masterClrMapping/>
   </p:clrMapOvr>
-  <mc:AlternateContent xmlns:mc="http://schemas.openxmlformats.org/markup-compatibility/2006" xmlns:p14="http://schemas.microsoft.com/office/powerpoint/2010/main">
-    <mc:Choice Requires="p14">
+  <mc:AlternateContent xmlns:mc="http://schemas.openxmlformats.org/markup-compatibility/2006">
+    <mc:Choice xmlns:p14="http://schemas.microsoft.com/office/powerpoint/2010/main" Requires="p14">
       <p:transition>
         <p14:reveal/>
       </p:transition>
     </mc:Choice>
-    <mc:Fallback xmlns="">
+    <mc:Fallback>
       <p:transition>
         <p:fade/>
       </p:transition>
@@ -24205,15 +23910,33 @@
                                   </p:childTnLst>
                                 </p:cTn>
                               </p:par>
+                            </p:childTnLst>
+                          </p:cTn>
+                        </p:par>
+                      </p:childTnLst>
+                    </p:cTn>
+                  </p:par>
+                  <p:par>
+                    <p:cTn id="19" fill="hold">
+                      <p:stCondLst>
+                        <p:cond delay="indefinite"/>
+                      </p:stCondLst>
+                      <p:childTnLst>
+                        <p:par>
+                          <p:cTn id="20" fill="hold">
+                            <p:stCondLst>
+                              <p:cond delay="0"/>
+                            </p:stCondLst>
+                            <p:childTnLst>
                               <p:par>
-                                <p:cTn id="19" presetID="10" presetClass="entr" presetSubtype="0" fill="hold" grpId="0" nodeType="withEffect">
+                                <p:cTn id="21" presetID="10" presetClass="entr" presetSubtype="0" fill="hold" grpId="0" nodeType="clickEffect">
                                   <p:stCondLst>
                                     <p:cond delay="0"/>
                                   </p:stCondLst>
                                   <p:childTnLst>
                                     <p:set>
                                       <p:cBhvr>
-                                        <p:cTn id="20" dur="1" fill="hold">
+                                        <p:cTn id="22" dur="1" fill="hold">
                                           <p:stCondLst>
                                             <p:cond delay="0"/>
                                           </p:stCondLst>
@@ -24235,7 +23958,7 @@
                                     </p:set>
                                     <p:animEffect transition="in" filter="fade">
                                       <p:cBhvr>
-                                        <p:cTn id="21" dur="250"/>
+                                        <p:cTn id="23" dur="250"/>
                                         <p:tgtEl>
                                           <p:spTgt spid="24578">
                                             <p:txEl>
@@ -24252,20 +23975,20 @@
                           </p:cTn>
                         </p:par>
                         <p:par>
-                          <p:cTn id="22" fill="hold">
+                          <p:cTn id="24" fill="hold">
                             <p:stCondLst>
-                              <p:cond delay="750"/>
+                              <p:cond delay="250"/>
                             </p:stCondLst>
                             <p:childTnLst>
                               <p:par>
-                                <p:cTn id="23" presetID="10" presetClass="entr" presetSubtype="0" fill="hold" grpId="0" nodeType="afterEffect">
+                                <p:cTn id="25" presetID="10" presetClass="entr" presetSubtype="0" fill="hold" grpId="0" nodeType="afterEffect">
                                   <p:stCondLst>
                                     <p:cond delay="0"/>
                                   </p:stCondLst>
                                   <p:childTnLst>
                                     <p:set>
                                       <p:cBhvr>
-                                        <p:cTn id="24" dur="1" fill="hold">
+                                        <p:cTn id="26" dur="1" fill="hold">
                                           <p:stCondLst>
                                             <p:cond delay="0"/>
                                           </p:stCondLst>
@@ -24287,7 +24010,7 @@
                                     </p:set>
                                     <p:animEffect transition="in" filter="fade">
                                       <p:cBhvr>
-                                        <p:cTn id="25" dur="250"/>
+                                        <p:cTn id="27" dur="250"/>
                                         <p:tgtEl>
                                           <p:spTgt spid="24578">
                                             <p:txEl>
@@ -24304,20 +24027,20 @@
                           </p:cTn>
                         </p:par>
                         <p:par>
-                          <p:cTn id="26" fill="hold">
+                          <p:cTn id="28" fill="hold">
                             <p:stCondLst>
-                              <p:cond delay="1000"/>
+                              <p:cond delay="500"/>
                             </p:stCondLst>
                             <p:childTnLst>
                               <p:par>
-                                <p:cTn id="27" presetID="10" presetClass="entr" presetSubtype="0" fill="hold" grpId="0" nodeType="afterEffect">
+                                <p:cTn id="29" presetID="10" presetClass="entr" presetSubtype="0" fill="hold" grpId="0" nodeType="afterEffect">
                                   <p:stCondLst>
                                     <p:cond delay="0"/>
                                   </p:stCondLst>
                                   <p:childTnLst>
                                     <p:set>
                                       <p:cBhvr>
-                                        <p:cTn id="28" dur="1" fill="hold">
+                                        <p:cTn id="30" dur="1" fill="hold">
                                           <p:stCondLst>
                                             <p:cond delay="0"/>
                                           </p:stCondLst>
@@ -24339,7 +24062,7 @@
                                     </p:set>
                                     <p:animEffect transition="in" filter="fade">
                                       <p:cBhvr>
-                                        <p:cTn id="29" dur="250"/>
+                                        <p:cTn id="31" dur="250"/>
                                         <p:tgtEl>
                                           <p:spTgt spid="24578">
                                             <p:txEl>
@@ -24356,20 +24079,20 @@
                           </p:cTn>
                         </p:par>
                         <p:par>
-                          <p:cTn id="30" fill="hold">
+                          <p:cTn id="32" fill="hold">
                             <p:stCondLst>
-                              <p:cond delay="1250"/>
+                              <p:cond delay="750"/>
                             </p:stCondLst>
                             <p:childTnLst>
                               <p:par>
-                                <p:cTn id="31" presetID="10" presetClass="entr" presetSubtype="0" fill="hold" grpId="0" nodeType="afterEffect">
+                                <p:cTn id="33" presetID="10" presetClass="entr" presetSubtype="0" fill="hold" grpId="0" nodeType="afterEffect">
                                   <p:stCondLst>
                                     <p:cond delay="0"/>
                                   </p:stCondLst>
                                   <p:childTnLst>
                                     <p:set>
                                       <p:cBhvr>
-                                        <p:cTn id="32" dur="1" fill="hold">
+                                        <p:cTn id="34" dur="1" fill="hold">
                                           <p:stCondLst>
                                             <p:cond delay="0"/>
                                           </p:stCondLst>
@@ -24391,7 +24114,7 @@
                                     </p:set>
                                     <p:animEffect transition="in" filter="fade">
                                       <p:cBhvr>
-                                        <p:cTn id="33" dur="250"/>
+                                        <p:cTn id="35" dur="250"/>
                                         <p:tgtEl>
                                           <p:spTgt spid="24578">
                                             <p:txEl>
@@ -24408,20 +24131,20 @@
                           </p:cTn>
                         </p:par>
                         <p:par>
-                          <p:cTn id="34" fill="hold">
+                          <p:cTn id="36" fill="hold">
                             <p:stCondLst>
-                              <p:cond delay="1500"/>
+                              <p:cond delay="1000"/>
                             </p:stCondLst>
                             <p:childTnLst>
                               <p:par>
-                                <p:cTn id="35" presetID="10" presetClass="entr" presetSubtype="0" fill="hold" grpId="0" nodeType="afterEffect">
+                                <p:cTn id="37" presetID="10" presetClass="entr" presetSubtype="0" fill="hold" grpId="0" nodeType="afterEffect">
                                   <p:stCondLst>
                                     <p:cond delay="0"/>
                                   </p:stCondLst>
                                   <p:childTnLst>
                                     <p:set>
                                       <p:cBhvr>
-                                        <p:cTn id="36" dur="1" fill="hold">
+                                        <p:cTn id="38" dur="1" fill="hold">
                                           <p:stCondLst>
                                             <p:cond delay="0"/>
                                           </p:stCondLst>
@@ -24443,7 +24166,7 @@
                                     </p:set>
                                     <p:animEffect transition="in" filter="fade">
                                       <p:cBhvr>
-                                        <p:cTn id="37" dur="250"/>
+                                        <p:cTn id="39" dur="250"/>
                                         <p:tgtEl>
                                           <p:spTgt spid="24578">
                                             <p:txEl>
@@ -24460,20 +24183,20 @@
                           </p:cTn>
                         </p:par>
                         <p:par>
-                          <p:cTn id="38" fill="hold">
+                          <p:cTn id="40" fill="hold">
                             <p:stCondLst>
-                              <p:cond delay="1750"/>
+                              <p:cond delay="1250"/>
                             </p:stCondLst>
                             <p:childTnLst>
                               <p:par>
-                                <p:cTn id="39" presetID="10" presetClass="entr" presetSubtype="0" fill="hold" grpId="0" nodeType="afterEffect">
+                                <p:cTn id="41" presetID="10" presetClass="entr" presetSubtype="0" fill="hold" grpId="0" nodeType="afterEffect">
                                   <p:stCondLst>
                                     <p:cond delay="0"/>
                                   </p:stCondLst>
                                   <p:childTnLst>
                                     <p:set>
                                       <p:cBhvr>
-                                        <p:cTn id="40" dur="1" fill="hold">
+                                        <p:cTn id="42" dur="1" fill="hold">
                                           <p:stCondLst>
                                             <p:cond delay="0"/>
                                           </p:stCondLst>
@@ -24495,7 +24218,7 @@
                                     </p:set>
                                     <p:animEffect transition="in" filter="fade">
                                       <p:cBhvr>
-                                        <p:cTn id="41" dur="250"/>
+                                        <p:cTn id="43" dur="250"/>
                                         <p:tgtEl>
                                           <p:spTgt spid="24578">
                                             <p:txEl>
@@ -24886,13 +24609,13 @@
   <p:clrMapOvr>
     <a:masterClrMapping/>
   </p:clrMapOvr>
-  <mc:AlternateContent xmlns:mc="http://schemas.openxmlformats.org/markup-compatibility/2006" xmlns:p14="http://schemas.microsoft.com/office/powerpoint/2010/main">
-    <mc:Choice Requires="p14">
+  <mc:AlternateContent xmlns:mc="http://schemas.openxmlformats.org/markup-compatibility/2006">
+    <mc:Choice xmlns:p14="http://schemas.microsoft.com/office/powerpoint/2010/main" Requires="p14">
       <p:transition>
         <p14:reveal/>
       </p:transition>
     </mc:Choice>
-    <mc:Fallback xmlns="">
+    <mc:Fallback>
       <p:transition>
         <p:fade/>
       </p:transition>
@@ -25381,13 +25104,13 @@
   <p:clrMapOvr>
     <a:masterClrMapping/>
   </p:clrMapOvr>
-  <mc:AlternateContent xmlns:mc="http://schemas.openxmlformats.org/markup-compatibility/2006" xmlns:p14="http://schemas.microsoft.com/office/powerpoint/2010/main">
-    <mc:Choice Requires="p14">
+  <mc:AlternateContent xmlns:mc="http://schemas.openxmlformats.org/markup-compatibility/2006">
+    <mc:Choice xmlns:p14="http://schemas.microsoft.com/office/powerpoint/2010/main" Requires="p14">
       <p:transition>
         <p14:reveal/>
       </p:transition>
     </mc:Choice>
-    <mc:Fallback xmlns="">
+    <mc:Fallback>
       <p:transition>
         <p:fade/>
       </p:transition>
@@ -25830,13 +25553,13 @@
   <p:clrMapOvr>
     <a:masterClrMapping/>
   </p:clrMapOvr>
-  <mc:AlternateContent xmlns:mc="http://schemas.openxmlformats.org/markup-compatibility/2006" xmlns:p14="http://schemas.microsoft.com/office/powerpoint/2010/main">
-    <mc:Choice Requires="p14">
+  <mc:AlternateContent xmlns:mc="http://schemas.openxmlformats.org/markup-compatibility/2006">
+    <mc:Choice xmlns:p14="http://schemas.microsoft.com/office/powerpoint/2010/main" Requires="p14">
       <p:transition>
         <p14:reveal/>
       </p:transition>
     </mc:Choice>
-    <mc:Fallback xmlns="">
+    <mc:Fallback>
       <p:transition>
         <p:fade/>
       </p:transition>
@@ -26615,13 +26338,13 @@
   <p:clrMapOvr>
     <a:masterClrMapping/>
   </p:clrMapOvr>
-  <mc:AlternateContent xmlns:mc="http://schemas.openxmlformats.org/markup-compatibility/2006" xmlns:p14="http://schemas.microsoft.com/office/powerpoint/2010/main">
-    <mc:Choice Requires="p14">
+  <mc:AlternateContent xmlns:mc="http://schemas.openxmlformats.org/markup-compatibility/2006">
+    <mc:Choice xmlns:p14="http://schemas.microsoft.com/office/powerpoint/2010/main" Requires="p14">
       <p:transition>
         <p14:reveal/>
       </p:transition>
     </mc:Choice>
-    <mc:Fallback xmlns="">
+    <mc:Fallback>
       <p:transition>
         <p:fade/>
       </p:transition>
@@ -28103,13 +27826,13 @@
   <p:clrMapOvr>
     <a:masterClrMapping/>
   </p:clrMapOvr>
-  <mc:AlternateContent xmlns:mc="http://schemas.openxmlformats.org/markup-compatibility/2006" xmlns:p14="http://schemas.microsoft.com/office/powerpoint/2010/main">
-    <mc:Choice Requires="p14">
+  <mc:AlternateContent xmlns:mc="http://schemas.openxmlformats.org/markup-compatibility/2006">
+    <mc:Choice xmlns:p14="http://schemas.microsoft.com/office/powerpoint/2010/main" Requires="p14">
       <p:transition>
         <p14:reveal/>
       </p:transition>
     </mc:Choice>
-    <mc:Fallback xmlns="">
+    <mc:Fallback>
       <p:transition>
         <p:fade/>
       </p:transition>
@@ -28545,13 +28268,13 @@
   <p:clrMapOvr>
     <a:masterClrMapping/>
   </p:clrMapOvr>
-  <mc:AlternateContent xmlns:mc="http://schemas.openxmlformats.org/markup-compatibility/2006" xmlns:p14="http://schemas.microsoft.com/office/powerpoint/2010/main">
-    <mc:Choice Requires="p14">
+  <mc:AlternateContent xmlns:mc="http://schemas.openxmlformats.org/markup-compatibility/2006">
+    <mc:Choice xmlns:p14="http://schemas.microsoft.com/office/powerpoint/2010/main" Requires="p14">
       <p:transition>
         <p14:reveal/>
       </p:transition>
     </mc:Choice>
-    <mc:Fallback xmlns="">
+    <mc:Fallback>
       <p:transition>
         <p:fade/>
       </p:transition>
@@ -28692,7 +28415,7 @@
 </file>
 
 <file path=ppt/slides/slide3.xml><?xml version="1.0" encoding="utf-8"?>
-<p:sld xmlns:a="http://schemas.openxmlformats.org/drawingml/2006/main" xmlns:r="http://schemas.openxmlformats.org/officeDocument/2006/relationships" xmlns:p="http://schemas.openxmlformats.org/presentationml/2006/main">
+<p:sld xmlns:a="http://schemas.openxmlformats.org/drawingml/2006/main" xmlns:r="http://schemas.openxmlformats.org/officeDocument/2006/relationships" xmlns:p="http://schemas.openxmlformats.org/presentationml/2006/main" show="0">
   <p:cSld>
     <p:spTree>
       <p:nvGrpSpPr>
@@ -30255,13 +29978,13 @@
   <p:clrMapOvr>
     <a:masterClrMapping/>
   </p:clrMapOvr>
-  <mc:AlternateContent xmlns:mc="http://schemas.openxmlformats.org/markup-compatibility/2006" xmlns:p14="http://schemas.microsoft.com/office/powerpoint/2010/main">
-    <mc:Choice Requires="p14">
+  <mc:AlternateContent xmlns:mc="http://schemas.openxmlformats.org/markup-compatibility/2006">
+    <mc:Choice xmlns:p14="http://schemas.microsoft.com/office/powerpoint/2010/main" Requires="p14">
       <p:transition>
         <p14:reveal/>
       </p:transition>
     </mc:Choice>
-    <mc:Fallback xmlns="">
+    <mc:Fallback>
       <p:transition>
         <p:fade/>
       </p:transition>
@@ -30913,13 +30636,13 @@
   <p:clrMapOvr>
     <a:masterClrMapping/>
   </p:clrMapOvr>
-  <mc:AlternateContent xmlns:mc="http://schemas.openxmlformats.org/markup-compatibility/2006" xmlns:p14="http://schemas.microsoft.com/office/powerpoint/2010/main">
-    <mc:Choice Requires="p14">
+  <mc:AlternateContent xmlns:mc="http://schemas.openxmlformats.org/markup-compatibility/2006">
+    <mc:Choice xmlns:p14="http://schemas.microsoft.com/office/powerpoint/2010/main" Requires="p14">
       <p:transition>
         <p14:reveal/>
       </p:transition>
     </mc:Choice>
-    <mc:Fallback xmlns="">
+    <mc:Fallback>
       <p:transition>
         <p:fade/>
       </p:transition>
@@ -31608,7 +31331,18 @@
                 <a:ea typeface="WenQuanYi Micro Hei" charset="0"/>
                 <a:cs typeface="Calibri" pitchFamily="34" charset="0"/>
               </a:rPr>
-              <a:t>POLITIČKO GOVOR</a:t>
+              <a:t>POLITIČKI </a:t>
+            </a:r>
+            <a:r>
+              <a:rPr lang="hr-HR" sz="2400" b="1" dirty="0" smtClean="0">
+                <a:solidFill>
+                  <a:srgbClr val="FFC000"/>
+                </a:solidFill>
+                <a:latin typeface="Calibri" pitchFamily="34" charset="0"/>
+                <a:ea typeface="WenQuanYi Micro Hei" charset="0"/>
+                <a:cs typeface="Calibri" pitchFamily="34" charset="0"/>
+              </a:rPr>
+              <a:t>GOVOR</a:t>
             </a:r>
           </a:p>
           <a:p>
@@ -31836,13 +31570,13 @@
   <p:clrMapOvr>
     <a:masterClrMapping/>
   </p:clrMapOvr>
-  <mc:AlternateContent xmlns:mc="http://schemas.openxmlformats.org/markup-compatibility/2006" xmlns:p14="http://schemas.microsoft.com/office/powerpoint/2010/main">
-    <mc:Choice Requires="p14">
+  <mc:AlternateContent xmlns:mc="http://schemas.openxmlformats.org/markup-compatibility/2006">
+    <mc:Choice xmlns:p14="http://schemas.microsoft.com/office/powerpoint/2010/main" Requires="p14">
       <p:transition>
         <p14:reveal/>
       </p:transition>
     </mc:Choice>
-    <mc:Fallback xmlns="">
+    <mc:Fallback>
       <p:transition>
         <p:fade/>
       </p:transition>
@@ -32909,13 +32643,13 @@
   <p:clrMapOvr>
     <a:masterClrMapping/>
   </p:clrMapOvr>
-  <mc:AlternateContent xmlns:mc="http://schemas.openxmlformats.org/markup-compatibility/2006" xmlns:p14="http://schemas.microsoft.com/office/powerpoint/2010/main">
-    <mc:Choice Requires="p14">
+  <mc:AlternateContent xmlns:mc="http://schemas.openxmlformats.org/markup-compatibility/2006">
+    <mc:Choice xmlns:p14="http://schemas.microsoft.com/office/powerpoint/2010/main" Requires="p14">
       <p:transition>
         <p14:reveal/>
       </p:transition>
     </mc:Choice>
-    <mc:Fallback xmlns="">
+    <mc:Fallback>
       <p:transition>
         <p:fade/>
       </p:transition>
@@ -40296,13 +40030,13 @@
   <p:clrMapOvr>
     <a:masterClrMapping/>
   </p:clrMapOvr>
-  <mc:AlternateContent xmlns:mc="http://schemas.openxmlformats.org/markup-compatibility/2006" xmlns:p14="http://schemas.microsoft.com/office/powerpoint/2010/main">
-    <mc:Choice Requires="p14">
+  <mc:AlternateContent xmlns:mc="http://schemas.openxmlformats.org/markup-compatibility/2006">
+    <mc:Choice xmlns:p14="http://schemas.microsoft.com/office/powerpoint/2010/main" Requires="p14">
       <p:transition>
         <p14:reveal/>
       </p:transition>
     </mc:Choice>
-    <mc:Fallback xmlns="">
+    <mc:Fallback>
       <p:transition>
         <p:fade/>
       </p:transition>
